--- a/training/Xamarin/Xamarin.pptx
+++ b/training/Xamarin/Xamarin.pptx
@@ -17,7 +17,8 @@
     <p:sldId id="266" r:id="rId11"/>
     <p:sldId id="268" r:id="rId12"/>
     <p:sldId id="263" r:id="rId13"/>
-    <p:sldId id="265" r:id="rId14"/>
+    <p:sldId id="269" r:id="rId14"/>
+    <p:sldId id="265" r:id="rId15"/>
   </p:sldIdLst>
   <p:sldSz cx="12192000" cy="6858000"/>
   <p:notesSz cx="6858000" cy="9144000"/>
@@ -118,7 +119,7 @@
   </p:defaultTextStyle>
   <p:extLst>
     <p:ext uri="{EFAFB233-063F-42B5-8137-9DF3F51BA10A}">
-      <p15:sldGuideLst xmlns:p15="http://schemas.microsoft.com/office/powerpoint/2012/main"/>
+      <p15:sldGuideLst xmlns:p15="http://schemas.microsoft.com/office/powerpoint/2012/main" xmlns=""/>
     </p:ext>
   </p:extLst>
 </p:presentation>
@@ -527,7 +528,7 @@
           <a:p>
             <a:fld id="{2B1A20C5-B67E-4008-878E-39D19E0872D7}" type="datetimeFigureOut">
               <a:rPr lang="en-US" smtClean="0"/>
-              <a:t>11/25/2017</a:t>
+              <a:t>12/12/2017</a:t>
             </a:fld>
             <a:endParaRPr lang="en-US"/>
           </a:p>
@@ -709,7 +710,7 @@
           <a:p>
             <a:fld id="{2B1A20C5-B67E-4008-878E-39D19E0872D7}" type="datetimeFigureOut">
               <a:rPr lang="en-US" smtClean="0"/>
-              <a:t>11/25/2017</a:t>
+              <a:t>12/12/2017</a:t>
             </a:fld>
             <a:endParaRPr lang="en-US"/>
           </a:p>
@@ -892,7 +893,7 @@
           <a:p>
             <a:fld id="{2B1A20C5-B67E-4008-878E-39D19E0872D7}" type="datetimeFigureOut">
               <a:rPr lang="en-US" smtClean="0"/>
-              <a:t>11/25/2017</a:t>
+              <a:t>12/12/2017</a:t>
             </a:fld>
             <a:endParaRPr lang="en-US"/>
           </a:p>
@@ -1065,7 +1066,7 @@
           <a:p>
             <a:fld id="{2B1A20C5-B67E-4008-878E-39D19E0872D7}" type="datetimeFigureOut">
               <a:rPr lang="en-US" smtClean="0"/>
-              <a:t>11/25/2017</a:t>
+              <a:t>12/12/2017</a:t>
             </a:fld>
             <a:endParaRPr lang="en-US"/>
           </a:p>
@@ -1381,7 +1382,7 @@
           <a:p>
             <a:fld id="{2B1A20C5-B67E-4008-878E-39D19E0872D7}" type="datetimeFigureOut">
               <a:rPr lang="en-US" smtClean="0"/>
-              <a:t>11/25/2017</a:t>
+              <a:t>12/12/2017</a:t>
             </a:fld>
             <a:endParaRPr lang="en-US"/>
           </a:p>
@@ -1770,7 +1771,7 @@
           <a:p>
             <a:fld id="{2B1A20C5-B67E-4008-878E-39D19E0872D7}" type="datetimeFigureOut">
               <a:rPr lang="en-US" smtClean="0"/>
-              <a:t>11/25/2017</a:t>
+              <a:t>12/12/2017</a:t>
             </a:fld>
             <a:endParaRPr lang="en-US"/>
           </a:p>
@@ -2207,7 +2208,7 @@
           <a:p>
             <a:fld id="{2B1A20C5-B67E-4008-878E-39D19E0872D7}" type="datetimeFigureOut">
               <a:rPr lang="en-US" smtClean="0"/>
-              <a:t>11/25/2017</a:t>
+              <a:t>12/12/2017</a:t>
             </a:fld>
             <a:endParaRPr lang="en-US"/>
           </a:p>
@@ -2328,7 +2329,7 @@
           <a:p>
             <a:fld id="{2B1A20C5-B67E-4008-878E-39D19E0872D7}" type="datetimeFigureOut">
               <a:rPr lang="en-US" smtClean="0"/>
-              <a:t>11/25/2017</a:t>
+              <a:t>12/12/2017</a:t>
             </a:fld>
             <a:endParaRPr lang="en-US"/>
           </a:p>
@@ -2426,7 +2427,7 @@
           <a:p>
             <a:fld id="{2B1A20C5-B67E-4008-878E-39D19E0872D7}" type="datetimeFigureOut">
               <a:rPr lang="en-US" smtClean="0"/>
-              <a:t>11/25/2017</a:t>
+              <a:t>12/12/2017</a:t>
             </a:fld>
             <a:endParaRPr lang="en-US"/>
           </a:p>
@@ -2779,7 +2780,7 @@
           <a:p>
             <a:fld id="{2B1A20C5-B67E-4008-878E-39D19E0872D7}" type="datetimeFigureOut">
               <a:rPr lang="en-US" smtClean="0"/>
-              <a:t>11/25/2017</a:t>
+              <a:t>12/12/2017</a:t>
             </a:fld>
             <a:endParaRPr lang="en-US"/>
           </a:p>
@@ -3207,7 +3208,7 @@
           <a:p>
             <a:fld id="{2B1A20C5-B67E-4008-878E-39D19E0872D7}" type="datetimeFigureOut">
               <a:rPr lang="en-US" smtClean="0"/>
-              <a:t>11/25/2017</a:t>
+              <a:t>12/12/2017</a:t>
             </a:fld>
             <a:endParaRPr lang="en-US"/>
           </a:p>
@@ -3491,7 +3492,7 @@
           <a:p>
             <a:fld id="{2B1A20C5-B67E-4008-878E-39D19E0872D7}" type="datetimeFigureOut">
               <a:rPr lang="en-US" smtClean="0"/>
-              <a:t>11/25/2017</a:t>
+              <a:t>12/12/2017</a:t>
             </a:fld>
             <a:endParaRPr lang="en-US"/>
           </a:p>
@@ -4550,6 +4551,106 @@
       </p:grpSpPr>
       <p:sp>
         <p:nvSpPr>
+          <p:cNvPr id="2" name="Title 1"/>
+          <p:cNvSpPr>
+            <a:spLocks noGrp="1"/>
+          </p:cNvSpPr>
+          <p:nvPr>
+            <p:ph type="title"/>
+          </p:nvPr>
+        </p:nvSpPr>
+        <p:spPr/>
+        <p:txBody>
+          <a:bodyPr/>
+          <a:lstStyle/>
+          <a:p>
+            <a:r>
+              <a:rPr lang="en-US" smtClean="0"/>
+              <a:t>4. Nguồn tham khảo</a:t>
+            </a:r>
+            <a:endParaRPr lang="en-US"/>
+          </a:p>
+        </p:txBody>
+      </p:sp>
+      <p:sp>
+        <p:nvSpPr>
+          <p:cNvPr id="3" name="Content Placeholder 2"/>
+          <p:cNvSpPr>
+            <a:spLocks noGrp="1"/>
+          </p:cNvSpPr>
+          <p:nvPr>
+            <p:ph idx="1"/>
+          </p:nvPr>
+        </p:nvSpPr>
+        <p:spPr/>
+        <p:txBody>
+          <a:bodyPr/>
+          <a:lstStyle/>
+          <a:p>
+            <a:r>
+              <a:rPr lang="en-US">
+                <a:hlinkClick r:id="rId2"/>
+              </a:rPr>
+              <a:t>https</a:t>
+            </a:r>
+            <a:r>
+              <a:rPr lang="en-US">
+                <a:hlinkClick r:id="rId2"/>
+              </a:rPr>
+              <a:t>://</a:t>
+            </a:r>
+            <a:r>
+              <a:rPr lang="en-US" smtClean="0">
+                <a:hlinkClick r:id="rId2"/>
+              </a:rPr>
+              <a:t>www.youtube.com/watch?v=DyS3uMZou0A&amp;list=PLjJIn7IDrBiRAhACAFXSr0aOxIIzmDlYn</a:t>
+            </a:r>
+            <a:endParaRPr lang="en-US" smtClean="0"/>
+          </a:p>
+          <a:p>
+            <a:r>
+              <a:rPr lang="en-US" smtClean="0"/>
+              <a:t>Từ khóa Khương Nguyễn Xamarin</a:t>
+            </a:r>
+            <a:endParaRPr lang="en-US"/>
+          </a:p>
+        </p:txBody>
+      </p:sp>
+    </p:spTree>
+    <p:extLst>
+      <p:ext uri="{BB962C8B-B14F-4D97-AF65-F5344CB8AC3E}">
+        <p14:creationId xmlns:p14="http://schemas.microsoft.com/office/powerpoint/2010/main" val="4249601962"/>
+      </p:ext>
+    </p:extLst>
+  </p:cSld>
+  <p:clrMapOvr>
+    <a:masterClrMapping/>
+  </p:clrMapOvr>
+  <p:transition spd="slow">
+    <p:push dir="u"/>
+  </p:transition>
+</p:sld>
+</file>
+
+<file path=ppt/slides/slide14.xml><?xml version="1.0" encoding="utf-8"?>
+<p:sld xmlns:a="http://schemas.openxmlformats.org/drawingml/2006/main" xmlns:r="http://schemas.openxmlformats.org/officeDocument/2006/relationships" xmlns:p="http://schemas.openxmlformats.org/presentationml/2006/main">
+  <p:cSld>
+    <p:spTree>
+      <p:nvGrpSpPr>
+        <p:cNvPr id="1" name=""/>
+        <p:cNvGrpSpPr/>
+        <p:nvPr/>
+      </p:nvGrpSpPr>
+      <p:grpSpPr>
+        <a:xfrm>
+          <a:off x="0" y="0"/>
+          <a:ext cx="0" cy="0"/>
+          <a:chOff x="0" y="0"/>
+          <a:chExt cx="0" cy="0"/>
+        </a:xfrm>
+      </p:grpSpPr>
+      <p:sp>
+        <p:nvSpPr>
           <p:cNvPr id="3" name="Content Placeholder 2"/>
           <p:cNvSpPr>
             <a:spLocks noGrp="1"/>
@@ -4943,8 +5044,35 @@
                 <a:latin typeface="Times New Roman" panose="02020603050405020304" pitchFamily="18" charset="0"/>
                 <a:cs typeface="Times New Roman" panose="02020603050405020304" pitchFamily="18" charset="0"/>
               </a:rPr>
-              <a:t>3. Demo</a:t>
-            </a:r>
+              <a:t>3</a:t>
+            </a:r>
+            <a:r>
+              <a:rPr lang="en-US" smtClean="0">
+                <a:latin typeface="Times New Roman" panose="02020603050405020304" pitchFamily="18" charset="0"/>
+                <a:cs typeface="Times New Roman" panose="02020603050405020304" pitchFamily="18" charset="0"/>
+              </a:rPr>
+              <a:t>. </a:t>
+            </a:r>
+            <a:r>
+              <a:rPr lang="en-US" smtClean="0">
+                <a:latin typeface="Times New Roman" panose="02020603050405020304" pitchFamily="18" charset="0"/>
+                <a:cs typeface="Times New Roman" panose="02020603050405020304" pitchFamily="18" charset="0"/>
+              </a:rPr>
+              <a:t>Demo</a:t>
+            </a:r>
+          </a:p>
+          <a:p>
+            <a:r>
+              <a:rPr lang="en-US" smtClean="0">
+                <a:latin typeface="Times New Roman" panose="02020603050405020304" pitchFamily="18" charset="0"/>
+                <a:cs typeface="Times New Roman" panose="02020603050405020304" pitchFamily="18" charset="0"/>
+              </a:rPr>
+              <a:t>4. Nguồn tham khảo</a:t>
+            </a:r>
+            <a:endParaRPr lang="en-US" dirty="0" smtClean="0">
+              <a:latin typeface="Times New Roman" panose="02020603050405020304" pitchFamily="18" charset="0"/>
+              <a:cs typeface="Times New Roman" panose="02020603050405020304" pitchFamily="18" charset="0"/>
+            </a:endParaRPr>
           </a:p>
         </p:txBody>
       </p:sp>
@@ -7362,7 +7490,7 @@
     </a:clrScheme>
     <a:fontScheme name="Wood Type">
       <a:majorFont>
-        <a:latin typeface="Rockwell Condensed" panose="02060603050405020104"/>
+        <a:latin typeface="Rockwell Condensed"/>
         <a:ea typeface=""/>
         <a:cs typeface=""/>
         <a:font script="Grek" typeface="Cambria"/>
@@ -7398,7 +7526,7 @@
         <a:font script="Uigh" typeface="Microsoft Uighur"/>
       </a:majorFont>
       <a:minorFont>
-        <a:latin typeface="Rockwell" panose="02060603020205020403"/>
+        <a:latin typeface="Rockwell"/>
         <a:ea typeface=""/>
         <a:cs typeface=""/>
         <a:font script="Grek" typeface="Cambria"/>
@@ -7542,7 +7670,7 @@
   <a:extraClrSchemeLst/>
   <a:extLst>
     <a:ext uri="{05A4C25C-085E-4340-85A3-A5531E510DB2}">
-      <thm15:themeFamily xmlns:thm15="http://schemas.microsoft.com/office/thememl/2012/main" name="Wood Type" id="{7ACABC62-BF99-48CF-A9DC-4DB89C7B13DC}" vid="{142A1326-48AB-42A9-8428-CB14AA30176D}"/>
+      <thm15:themeFamily xmlns:thm15="http://schemas.microsoft.com/office/thememl/2012/main" xmlns="" name="Wood Type" id="{7ACABC62-BF99-48CF-A9DC-4DB89C7B13DC}" vid="{142A1326-48AB-42A9-8428-CB14AA30176D}"/>
     </a:ext>
   </a:extLst>
 </a:theme>
